--- a/assets/temp.pptx
+++ b/assets/temp.pptx
@@ -6,6 +6,7 @@
   </p:sldMasterIdLst>
   <p:sldIdLst>
     <p:sldId id="256" r:id="rId2"/>
+    <p:sldId id="257" r:id="rId3"/>
   </p:sldIdLst>
   <p:sldSz cx="12192000" cy="6858000"/>
   <p:notesSz cx="6858000" cy="9144000"/>
@@ -261,7 +262,7 @@
           <a:p>
             <a:fld id="{0CBC46CC-AD50-487A-8D3B-768228804138}" type="datetimeFigureOut">
               <a:rPr lang="fr-DZ" smtClean="0"/>
-              <a:t>23/02/2025</a:t>
+              <a:t>20/03/2025</a:t>
             </a:fld>
             <a:endParaRPr lang="fr-DZ"/>
           </a:p>
@@ -461,7 +462,7 @@
           <a:p>
             <a:fld id="{0CBC46CC-AD50-487A-8D3B-768228804138}" type="datetimeFigureOut">
               <a:rPr lang="fr-DZ" smtClean="0"/>
-              <a:t>23/02/2025</a:t>
+              <a:t>20/03/2025</a:t>
             </a:fld>
             <a:endParaRPr lang="fr-DZ"/>
           </a:p>
@@ -671,7 +672,7 @@
           <a:p>
             <a:fld id="{0CBC46CC-AD50-487A-8D3B-768228804138}" type="datetimeFigureOut">
               <a:rPr lang="fr-DZ" smtClean="0"/>
-              <a:t>23/02/2025</a:t>
+              <a:t>20/03/2025</a:t>
             </a:fld>
             <a:endParaRPr lang="fr-DZ"/>
           </a:p>
@@ -871,7 +872,7 @@
           <a:p>
             <a:fld id="{0CBC46CC-AD50-487A-8D3B-768228804138}" type="datetimeFigureOut">
               <a:rPr lang="fr-DZ" smtClean="0"/>
-              <a:t>23/02/2025</a:t>
+              <a:t>20/03/2025</a:t>
             </a:fld>
             <a:endParaRPr lang="fr-DZ"/>
           </a:p>
@@ -1147,7 +1148,7 @@
           <a:p>
             <a:fld id="{0CBC46CC-AD50-487A-8D3B-768228804138}" type="datetimeFigureOut">
               <a:rPr lang="fr-DZ" smtClean="0"/>
-              <a:t>23/02/2025</a:t>
+              <a:t>20/03/2025</a:t>
             </a:fld>
             <a:endParaRPr lang="fr-DZ"/>
           </a:p>
@@ -1415,7 +1416,7 @@
           <a:p>
             <a:fld id="{0CBC46CC-AD50-487A-8D3B-768228804138}" type="datetimeFigureOut">
               <a:rPr lang="fr-DZ" smtClean="0"/>
-              <a:t>23/02/2025</a:t>
+              <a:t>20/03/2025</a:t>
             </a:fld>
             <a:endParaRPr lang="fr-DZ"/>
           </a:p>
@@ -1830,7 +1831,7 @@
           <a:p>
             <a:fld id="{0CBC46CC-AD50-487A-8D3B-768228804138}" type="datetimeFigureOut">
               <a:rPr lang="fr-DZ" smtClean="0"/>
-              <a:t>23/02/2025</a:t>
+              <a:t>20/03/2025</a:t>
             </a:fld>
             <a:endParaRPr lang="fr-DZ"/>
           </a:p>
@@ -1972,7 +1973,7 @@
           <a:p>
             <a:fld id="{0CBC46CC-AD50-487A-8D3B-768228804138}" type="datetimeFigureOut">
               <a:rPr lang="fr-DZ" smtClean="0"/>
-              <a:t>23/02/2025</a:t>
+              <a:t>20/03/2025</a:t>
             </a:fld>
             <a:endParaRPr lang="fr-DZ"/>
           </a:p>
@@ -2085,7 +2086,7 @@
           <a:p>
             <a:fld id="{0CBC46CC-AD50-487A-8D3B-768228804138}" type="datetimeFigureOut">
               <a:rPr lang="fr-DZ" smtClean="0"/>
-              <a:t>23/02/2025</a:t>
+              <a:t>20/03/2025</a:t>
             </a:fld>
             <a:endParaRPr lang="fr-DZ"/>
           </a:p>
@@ -2398,7 +2399,7 @@
           <a:p>
             <a:fld id="{0CBC46CC-AD50-487A-8D3B-768228804138}" type="datetimeFigureOut">
               <a:rPr lang="fr-DZ" smtClean="0"/>
-              <a:t>23/02/2025</a:t>
+              <a:t>20/03/2025</a:t>
             </a:fld>
             <a:endParaRPr lang="fr-DZ"/>
           </a:p>
@@ -2687,7 +2688,7 @@
           <a:p>
             <a:fld id="{0CBC46CC-AD50-487A-8D3B-768228804138}" type="datetimeFigureOut">
               <a:rPr lang="fr-DZ" smtClean="0"/>
-              <a:t>23/02/2025</a:t>
+              <a:t>20/03/2025</a:t>
             </a:fld>
             <a:endParaRPr lang="fr-DZ"/>
           </a:p>
@@ -2930,7 +2931,7 @@
           <a:p>
             <a:fld id="{0CBC46CC-AD50-487A-8D3B-768228804138}" type="datetimeFigureOut">
               <a:rPr lang="fr-DZ" smtClean="0"/>
-              <a:t>23/02/2025</a:t>
+              <a:t>20/03/2025</a:t>
             </a:fld>
             <a:endParaRPr lang="fr-DZ"/>
           </a:p>
@@ -4803,6 +4804,942 @@
 </p:sld>
 </file>
 
+<file path=ppt/slides/slide2.xml><?xml version="1.0" encoding="utf-8"?>
+<p:sld xmlns:a="http://schemas.openxmlformats.org/drawingml/2006/main" xmlns:r="http://schemas.openxmlformats.org/officeDocument/2006/relationships" xmlns:p="http://schemas.openxmlformats.org/presentationml/2006/main">
+  <p:cSld>
+    <p:spTree>
+      <p:nvGrpSpPr>
+        <p:cNvPr id="1" name=""/>
+        <p:cNvGrpSpPr/>
+        <p:nvPr/>
+      </p:nvGrpSpPr>
+      <p:grpSpPr>
+        <a:xfrm>
+          <a:off x="0" y="0"/>
+          <a:ext cx="0" cy="0"/>
+          <a:chOff x="0" y="0"/>
+          <a:chExt cx="0" cy="0"/>
+        </a:xfrm>
+      </p:grpSpPr>
+      <p:pic>
+        <p:nvPicPr>
+          <p:cNvPr id="5" name="Picture 4" descr="A close-up of a blue circuit board&#10;&#10;AI-generated content may be incorrect.">
+            <a:extLst>
+              <a:ext uri="{FF2B5EF4-FFF2-40B4-BE49-F238E27FC236}">
+                <a16:creationId xmlns:a16="http://schemas.microsoft.com/office/drawing/2014/main" id="{CB2EC483-D1F4-8831-F2BC-BD2B0F8428F1}"/>
+              </a:ext>
+            </a:extLst>
+          </p:cNvPr>
+          <p:cNvPicPr>
+            <a:picLocks noChangeAspect="1"/>
+          </p:cNvPicPr>
+          <p:nvPr/>
+        </p:nvPicPr>
+        <p:blipFill>
+          <a:blip r:embed="rId2">
+            <a:extLst>
+              <a:ext uri="{28A0092B-C50C-407E-A947-70E740481C1C}">
+                <a14:useLocalDpi xmlns:a14="http://schemas.microsoft.com/office/drawing/2010/main" val="0"/>
+              </a:ext>
+            </a:extLst>
+          </a:blip>
+          <a:stretch>
+            <a:fillRect/>
+          </a:stretch>
+        </p:blipFill>
+        <p:spPr>
+          <a:xfrm>
+            <a:off x="5990110" y="1871846"/>
+            <a:ext cx="3446284" cy="2819031"/>
+          </a:xfrm>
+          <a:prstGeom prst="rect">
+            <a:avLst/>
+          </a:prstGeom>
+        </p:spPr>
+      </p:pic>
+      <p:sp>
+        <p:nvSpPr>
+          <p:cNvPr id="6" name="Rectangle 5">
+            <a:extLst>
+              <a:ext uri="{FF2B5EF4-FFF2-40B4-BE49-F238E27FC236}">
+                <a16:creationId xmlns:a16="http://schemas.microsoft.com/office/drawing/2014/main" id="{FE095B19-DFEB-4B61-67F2-45B41142D3E5}"/>
+              </a:ext>
+            </a:extLst>
+          </p:cNvPr>
+          <p:cNvSpPr/>
+          <p:nvPr/>
+        </p:nvSpPr>
+        <p:spPr>
+          <a:xfrm>
+            <a:off x="3358356" y="1785928"/>
+            <a:ext cx="1937658" cy="1176075"/>
+          </a:xfrm>
+          <a:prstGeom prst="rect">
+            <a:avLst/>
+          </a:prstGeom>
+          <a:solidFill>
+            <a:schemeClr val="bg1"/>
+          </a:solidFill>
+          <a:ln>
+            <a:noFill/>
+          </a:ln>
+        </p:spPr>
+        <p:style>
+          <a:lnRef idx="2">
+            <a:schemeClr val="accent1">
+              <a:shade val="15000"/>
+            </a:schemeClr>
+          </a:lnRef>
+          <a:fillRef idx="1">
+            <a:schemeClr val="accent1"/>
+          </a:fillRef>
+          <a:effectRef idx="0">
+            <a:schemeClr val="accent1"/>
+          </a:effectRef>
+          <a:fontRef idx="minor">
+            <a:schemeClr val="lt1"/>
+          </a:fontRef>
+        </p:style>
+        <p:txBody>
+          <a:bodyPr rtlCol="0" anchor="ctr"/>
+          <a:lstStyle/>
+          <a:p>
+            <a:pPr algn="ctr"/>
+            <a:endParaRPr lang="fr-DZ" dirty="0"/>
+          </a:p>
+        </p:txBody>
+      </p:sp>
+      <p:pic>
+        <p:nvPicPr>
+          <p:cNvPr id="7" name="Picture 6" descr="A diagram of a diagram&#10;&#10;AI-generated content may be incorrect.">
+            <a:extLst>
+              <a:ext uri="{FF2B5EF4-FFF2-40B4-BE49-F238E27FC236}">
+                <a16:creationId xmlns:a16="http://schemas.microsoft.com/office/drawing/2014/main" id="{9D1E0DE6-3F92-4F38-4931-33A764C6C91B}"/>
+              </a:ext>
+            </a:extLst>
+          </p:cNvPr>
+          <p:cNvPicPr>
+            <a:picLocks noChangeAspect="1"/>
+          </p:cNvPicPr>
+          <p:nvPr/>
+        </p:nvPicPr>
+        <p:blipFill>
+          <a:blip r:embed="rId3">
+            <a:extLst>
+              <a:ext uri="{28A0092B-C50C-407E-A947-70E740481C1C}">
+                <a14:useLocalDpi xmlns:a14="http://schemas.microsoft.com/office/drawing/2010/main" val="0"/>
+              </a:ext>
+            </a:extLst>
+          </a:blip>
+          <a:stretch>
+            <a:fillRect/>
+          </a:stretch>
+        </p:blipFill>
+        <p:spPr>
+          <a:xfrm>
+            <a:off x="3358356" y="1150671"/>
+            <a:ext cx="2602921" cy="2147701"/>
+          </a:xfrm>
+          <a:prstGeom prst="rect">
+            <a:avLst/>
+          </a:prstGeom>
+        </p:spPr>
+      </p:pic>
+      <p:cxnSp>
+        <p:nvCxnSpPr>
+          <p:cNvPr id="8" name="Straight Connector 7">
+            <a:extLst>
+              <a:ext uri="{FF2B5EF4-FFF2-40B4-BE49-F238E27FC236}">
+                <a16:creationId xmlns:a16="http://schemas.microsoft.com/office/drawing/2014/main" id="{9079482A-4F15-2EEC-793C-B5ACDAA12C9D}"/>
+              </a:ext>
+            </a:extLst>
+          </p:cNvPr>
+          <p:cNvCxnSpPr>
+            <a:cxnSpLocks/>
+          </p:cNvCxnSpPr>
+          <p:nvPr/>
+        </p:nvCxnSpPr>
+        <p:spPr>
+          <a:xfrm>
+            <a:off x="4464237" y="3221810"/>
+            <a:ext cx="0" cy="234042"/>
+          </a:xfrm>
+          <a:prstGeom prst="line">
+            <a:avLst/>
+          </a:prstGeom>
+          <a:ln>
+            <a:solidFill>
+              <a:schemeClr val="tx1"/>
+            </a:solidFill>
+          </a:ln>
+        </p:spPr>
+        <p:style>
+          <a:lnRef idx="2">
+            <a:schemeClr val="accent1"/>
+          </a:lnRef>
+          <a:fillRef idx="0">
+            <a:schemeClr val="accent1"/>
+          </a:fillRef>
+          <a:effectRef idx="1">
+            <a:schemeClr val="accent1"/>
+          </a:effectRef>
+          <a:fontRef idx="minor">
+            <a:schemeClr val="tx1"/>
+          </a:fontRef>
+        </p:style>
+      </p:cxnSp>
+      <p:pic>
+        <p:nvPicPr>
+          <p:cNvPr id="9" name="Picture 8" descr="A diagram of a diagram&#10;&#10;AI-generated content may be incorrect.">
+            <a:extLst>
+              <a:ext uri="{FF2B5EF4-FFF2-40B4-BE49-F238E27FC236}">
+                <a16:creationId xmlns:a16="http://schemas.microsoft.com/office/drawing/2014/main" id="{D50D7921-A084-78C6-1F0E-EB574B04C754}"/>
+              </a:ext>
+            </a:extLst>
+          </p:cNvPr>
+          <p:cNvPicPr>
+            <a:picLocks noChangeAspect="1"/>
+          </p:cNvPicPr>
+          <p:nvPr/>
+        </p:nvPicPr>
+        <p:blipFill>
+          <a:blip r:embed="rId3">
+            <a:extLst>
+              <a:ext uri="{28A0092B-C50C-407E-A947-70E740481C1C}">
+                <a14:useLocalDpi xmlns:a14="http://schemas.microsoft.com/office/drawing/2010/main" val="0"/>
+              </a:ext>
+            </a:extLst>
+          </a:blip>
+          <a:stretch>
+            <a:fillRect/>
+          </a:stretch>
+        </p:blipFill>
+        <p:spPr>
+          <a:xfrm>
+            <a:off x="3358356" y="2057451"/>
+            <a:ext cx="2602921" cy="2147701"/>
+          </a:xfrm>
+          <a:prstGeom prst="rect">
+            <a:avLst/>
+          </a:prstGeom>
+        </p:spPr>
+      </p:pic>
+      <p:sp>
+        <p:nvSpPr>
+          <p:cNvPr id="10" name="Rectangle 9">
+            <a:extLst>
+              <a:ext uri="{FF2B5EF4-FFF2-40B4-BE49-F238E27FC236}">
+                <a16:creationId xmlns:a16="http://schemas.microsoft.com/office/drawing/2014/main" id="{72298C1D-9B11-7B09-403E-77574840C6F7}"/>
+              </a:ext>
+            </a:extLst>
+          </p:cNvPr>
+          <p:cNvSpPr/>
+          <p:nvPr/>
+        </p:nvSpPr>
+        <p:spPr>
+          <a:xfrm>
+            <a:off x="3653195" y="2101308"/>
+            <a:ext cx="1937658" cy="878929"/>
+          </a:xfrm>
+          <a:prstGeom prst="rect">
+            <a:avLst/>
+          </a:prstGeom>
+          <a:solidFill>
+            <a:schemeClr val="bg1"/>
+          </a:solidFill>
+          <a:ln>
+            <a:noFill/>
+          </a:ln>
+        </p:spPr>
+        <p:style>
+          <a:lnRef idx="2">
+            <a:schemeClr val="accent1">
+              <a:shade val="15000"/>
+            </a:schemeClr>
+          </a:lnRef>
+          <a:fillRef idx="1">
+            <a:schemeClr val="accent1"/>
+          </a:fillRef>
+          <a:effectRef idx="0">
+            <a:schemeClr val="accent1"/>
+          </a:effectRef>
+          <a:fontRef idx="minor">
+            <a:schemeClr val="lt1"/>
+          </a:fontRef>
+        </p:style>
+        <p:txBody>
+          <a:bodyPr rtlCol="0" anchor="ctr"/>
+          <a:lstStyle/>
+          <a:p>
+            <a:pPr algn="ctr"/>
+            <a:endParaRPr lang="fr-DZ" dirty="0"/>
+          </a:p>
+        </p:txBody>
+      </p:sp>
+      <p:sp>
+        <p:nvSpPr>
+          <p:cNvPr id="11" name="Rectangle 10">
+            <a:extLst>
+              <a:ext uri="{FF2B5EF4-FFF2-40B4-BE49-F238E27FC236}">
+                <a16:creationId xmlns:a16="http://schemas.microsoft.com/office/drawing/2014/main" id="{0CF8A040-A8E6-489F-0403-4D729F8DC8C2}"/>
+              </a:ext>
+            </a:extLst>
+          </p:cNvPr>
+          <p:cNvSpPr/>
+          <p:nvPr/>
+        </p:nvSpPr>
+        <p:spPr>
+          <a:xfrm>
+            <a:off x="3300400" y="2673532"/>
+            <a:ext cx="2328246" cy="1531620"/>
+          </a:xfrm>
+          <a:prstGeom prst="rect">
+            <a:avLst/>
+          </a:prstGeom>
+          <a:solidFill>
+            <a:schemeClr val="accent1">
+              <a:alpha val="38000"/>
+            </a:schemeClr>
+          </a:solidFill>
+        </p:spPr>
+        <p:style>
+          <a:lnRef idx="2">
+            <a:schemeClr val="accent1">
+              <a:shade val="15000"/>
+            </a:schemeClr>
+          </a:lnRef>
+          <a:fillRef idx="1">
+            <a:schemeClr val="accent1"/>
+          </a:fillRef>
+          <a:effectRef idx="0">
+            <a:schemeClr val="accent1"/>
+          </a:effectRef>
+          <a:fontRef idx="minor">
+            <a:schemeClr val="lt1"/>
+          </a:fontRef>
+        </p:style>
+        <p:txBody>
+          <a:bodyPr rtlCol="0" anchor="ctr"/>
+          <a:lstStyle/>
+          <a:p>
+            <a:pPr algn="ctr"/>
+            <a:endParaRPr lang="fr-DZ" dirty="0"/>
+          </a:p>
+        </p:txBody>
+      </p:sp>
+      <p:cxnSp>
+        <p:nvCxnSpPr>
+          <p:cNvPr id="12" name="Straight Connector 11">
+            <a:extLst>
+              <a:ext uri="{FF2B5EF4-FFF2-40B4-BE49-F238E27FC236}">
+                <a16:creationId xmlns:a16="http://schemas.microsoft.com/office/drawing/2014/main" id="{8B6E3044-5DDE-A7DA-2DA4-AA57FD7C11A6}"/>
+              </a:ext>
+            </a:extLst>
+          </p:cNvPr>
+          <p:cNvCxnSpPr>
+            <a:cxnSpLocks/>
+          </p:cNvCxnSpPr>
+          <p:nvPr/>
+        </p:nvCxnSpPr>
+        <p:spPr>
+          <a:xfrm>
+            <a:off x="4461408" y="2057451"/>
+            <a:ext cx="0" cy="922786"/>
+          </a:xfrm>
+          <a:prstGeom prst="line">
+            <a:avLst/>
+          </a:prstGeom>
+        </p:spPr>
+        <p:style>
+          <a:lnRef idx="2">
+            <a:schemeClr val="dk1"/>
+          </a:lnRef>
+          <a:fillRef idx="0">
+            <a:schemeClr val="dk1"/>
+          </a:fillRef>
+          <a:effectRef idx="1">
+            <a:schemeClr val="dk1"/>
+          </a:effectRef>
+          <a:fontRef idx="minor">
+            <a:schemeClr val="tx1"/>
+          </a:fontRef>
+        </p:style>
+      </p:cxnSp>
+      <p:cxnSp>
+        <p:nvCxnSpPr>
+          <p:cNvPr id="13" name="Straight Connector 12">
+            <a:extLst>
+              <a:ext uri="{FF2B5EF4-FFF2-40B4-BE49-F238E27FC236}">
+                <a16:creationId xmlns:a16="http://schemas.microsoft.com/office/drawing/2014/main" id="{C2E2C2D2-BFB0-C593-698B-79AED8D61E33}"/>
+              </a:ext>
+            </a:extLst>
+          </p:cNvPr>
+          <p:cNvCxnSpPr>
+            <a:cxnSpLocks/>
+          </p:cNvCxnSpPr>
+          <p:nvPr/>
+        </p:nvCxnSpPr>
+        <p:spPr>
+          <a:xfrm flipH="1" flipV="1">
+            <a:off x="4461408" y="2879272"/>
+            <a:ext cx="577158" cy="100965"/>
+          </a:xfrm>
+          <a:prstGeom prst="line">
+            <a:avLst/>
+          </a:prstGeom>
+        </p:spPr>
+        <p:style>
+          <a:lnRef idx="2">
+            <a:schemeClr val="dk1"/>
+          </a:lnRef>
+          <a:fillRef idx="0">
+            <a:schemeClr val="dk1"/>
+          </a:fillRef>
+          <a:effectRef idx="1">
+            <a:schemeClr val="dk1"/>
+          </a:effectRef>
+          <a:fontRef idx="minor">
+            <a:schemeClr val="tx1"/>
+          </a:fontRef>
+        </p:style>
+      </p:cxnSp>
+      <p:cxnSp>
+        <p:nvCxnSpPr>
+          <p:cNvPr id="14" name="Straight Connector 13">
+            <a:extLst>
+              <a:ext uri="{FF2B5EF4-FFF2-40B4-BE49-F238E27FC236}">
+                <a16:creationId xmlns:a16="http://schemas.microsoft.com/office/drawing/2014/main" id="{D7EA6908-45D2-059C-3A36-4B541373D448}"/>
+              </a:ext>
+            </a:extLst>
+          </p:cNvPr>
+          <p:cNvCxnSpPr>
+            <a:cxnSpLocks/>
+          </p:cNvCxnSpPr>
+          <p:nvPr/>
+        </p:nvCxnSpPr>
+        <p:spPr>
+          <a:xfrm>
+            <a:off x="4461408" y="4128952"/>
+            <a:ext cx="0" cy="561925"/>
+          </a:xfrm>
+          <a:prstGeom prst="line">
+            <a:avLst/>
+          </a:prstGeom>
+        </p:spPr>
+        <p:style>
+          <a:lnRef idx="2">
+            <a:schemeClr val="dk1"/>
+          </a:lnRef>
+          <a:fillRef idx="0">
+            <a:schemeClr val="dk1"/>
+          </a:fillRef>
+          <a:effectRef idx="1">
+            <a:schemeClr val="dk1"/>
+          </a:effectRef>
+          <a:fontRef idx="minor">
+            <a:schemeClr val="tx1"/>
+          </a:fontRef>
+        </p:style>
+      </p:cxnSp>
+      <p:sp>
+        <p:nvSpPr>
+          <p:cNvPr id="15" name="TextBox 14">
+            <a:extLst>
+              <a:ext uri="{FF2B5EF4-FFF2-40B4-BE49-F238E27FC236}">
+                <a16:creationId xmlns:a16="http://schemas.microsoft.com/office/drawing/2014/main" id="{302CE27B-951A-C1EF-2B20-DA1C780BE03D}"/>
+              </a:ext>
+            </a:extLst>
+          </p:cNvPr>
+          <p:cNvSpPr txBox="1"/>
+          <p:nvPr/>
+        </p:nvSpPr>
+        <p:spPr>
+          <a:xfrm>
+            <a:off x="3252129" y="2654226"/>
+            <a:ext cx="1656425" cy="307777"/>
+          </a:xfrm>
+          <a:prstGeom prst="rect">
+            <a:avLst/>
+          </a:prstGeom>
+          <a:noFill/>
+        </p:spPr>
+        <p:txBody>
+          <a:bodyPr wrap="square" rtlCol="0">
+            <a:spAutoFit/>
+          </a:bodyPr>
+          <a:lstStyle/>
+          <a:p>
+            <a:r>
+              <a:rPr lang="fr-FR" sz="1400" b="1" dirty="0"/>
+              <a:t>QSiLUApprox</a:t>
+            </a:r>
+            <a:endParaRPr lang="fr-DZ" sz="1400" b="1" dirty="0"/>
+          </a:p>
+        </p:txBody>
+      </p:sp>
+      <p:sp>
+        <p:nvSpPr>
+          <p:cNvPr id="16" name="TextBox 15">
+            <a:extLst>
+              <a:ext uri="{FF2B5EF4-FFF2-40B4-BE49-F238E27FC236}">
+                <a16:creationId xmlns:a16="http://schemas.microsoft.com/office/drawing/2014/main" id="{A01FC2FE-EF87-9B35-B6FB-E2172FDA8139}"/>
+              </a:ext>
+            </a:extLst>
+          </p:cNvPr>
+          <p:cNvSpPr txBox="1"/>
+          <p:nvPr/>
+        </p:nvSpPr>
+        <p:spPr>
+          <a:xfrm>
+            <a:off x="4432575" y="2166688"/>
+            <a:ext cx="960519" cy="307777"/>
+          </a:xfrm>
+          <a:prstGeom prst="rect">
+            <a:avLst/>
+          </a:prstGeom>
+          <a:noFill/>
+        </p:spPr>
+        <p:txBody>
+          <a:bodyPr wrap="none" rtlCol="0">
+            <a:spAutoFit/>
+          </a:bodyPr>
+          <a:lstStyle/>
+          <a:p>
+            <a:r>
+              <a:rPr lang="fr-FR" sz="1400" b="1" u="sng" dirty="0"/>
+              <a:t>int8 input</a:t>
+            </a:r>
+            <a:endParaRPr lang="fr-DZ" sz="1400" b="1" u="sng" dirty="0"/>
+          </a:p>
+        </p:txBody>
+      </p:sp>
+      <p:sp>
+        <p:nvSpPr>
+          <p:cNvPr id="17" name="TextBox 16">
+            <a:extLst>
+              <a:ext uri="{FF2B5EF4-FFF2-40B4-BE49-F238E27FC236}">
+                <a16:creationId xmlns:a16="http://schemas.microsoft.com/office/drawing/2014/main" id="{63539145-6BE8-7402-62FD-2D1BE0324544}"/>
+              </a:ext>
+            </a:extLst>
+          </p:cNvPr>
+          <p:cNvSpPr txBox="1"/>
+          <p:nvPr/>
+        </p:nvSpPr>
+        <p:spPr>
+          <a:xfrm>
+            <a:off x="3426191" y="3112691"/>
+            <a:ext cx="1063048" cy="523220"/>
+          </a:xfrm>
+          <a:prstGeom prst="rect">
+            <a:avLst/>
+          </a:prstGeom>
+          <a:noFill/>
+        </p:spPr>
+        <p:txBody>
+          <a:bodyPr wrap="none" rtlCol="0">
+            <a:spAutoFit/>
+          </a:bodyPr>
+          <a:lstStyle/>
+          <a:p>
+            <a:pPr algn="ctr"/>
+            <a:r>
+              <a:rPr lang="fr-FR" sz="1400" b="1" u="sng" dirty="0"/>
+              <a:t>int8 </a:t>
+            </a:r>
+          </a:p>
+          <a:p>
+            <a:pPr algn="ctr"/>
+            <a:r>
+              <a:rPr lang="fr-FR" sz="1400" b="1" u="sng" dirty="0"/>
+              <a:t>operations</a:t>
+            </a:r>
+            <a:endParaRPr lang="fr-DZ" sz="1400" b="1" u="sng" dirty="0"/>
+          </a:p>
+        </p:txBody>
+      </p:sp>
+      <p:sp>
+        <p:nvSpPr>
+          <p:cNvPr id="18" name="TextBox 17">
+            <a:extLst>
+              <a:ext uri="{FF2B5EF4-FFF2-40B4-BE49-F238E27FC236}">
+                <a16:creationId xmlns:a16="http://schemas.microsoft.com/office/drawing/2014/main" id="{A0174412-E11E-8835-862E-51A82558D65A}"/>
+              </a:ext>
+            </a:extLst>
+          </p:cNvPr>
+          <p:cNvSpPr txBox="1"/>
+          <p:nvPr/>
+        </p:nvSpPr>
+        <p:spPr>
+          <a:xfrm>
+            <a:off x="4460226" y="4289080"/>
+            <a:ext cx="1079142" cy="307777"/>
+          </a:xfrm>
+          <a:prstGeom prst="rect">
+            <a:avLst/>
+          </a:prstGeom>
+          <a:noFill/>
+        </p:spPr>
+        <p:txBody>
+          <a:bodyPr wrap="none" rtlCol="0">
+            <a:spAutoFit/>
+          </a:bodyPr>
+          <a:lstStyle/>
+          <a:p>
+            <a:r>
+              <a:rPr lang="fr-FR" sz="1400" b="1" u="sng" dirty="0"/>
+              <a:t>int8 output</a:t>
+            </a:r>
+            <a:endParaRPr lang="fr-DZ" sz="1400" b="1" u="sng" dirty="0"/>
+          </a:p>
+        </p:txBody>
+      </p:sp>
+      <p:sp>
+        <p:nvSpPr>
+          <p:cNvPr id="19" name="TextBox 18">
+            <a:extLst>
+              <a:ext uri="{FF2B5EF4-FFF2-40B4-BE49-F238E27FC236}">
+                <a16:creationId xmlns:a16="http://schemas.microsoft.com/office/drawing/2014/main" id="{F50B15CF-1393-E9A3-8ED8-6F88C14B3BAC}"/>
+              </a:ext>
+            </a:extLst>
+          </p:cNvPr>
+          <p:cNvSpPr txBox="1"/>
+          <p:nvPr/>
+        </p:nvSpPr>
+        <p:spPr>
+          <a:xfrm>
+            <a:off x="5146691" y="1249443"/>
+            <a:ext cx="1937658" cy="1169551"/>
+          </a:xfrm>
+          <a:prstGeom prst="rect">
+            <a:avLst/>
+          </a:prstGeom>
+          <a:noFill/>
+        </p:spPr>
+        <p:txBody>
+          <a:bodyPr wrap="square" rtlCol="0">
+            <a:spAutoFit/>
+          </a:bodyPr>
+          <a:lstStyle/>
+          <a:p>
+            <a:pPr algn="ctr"/>
+            <a:r>
+              <a:rPr lang="en-US" sz="1400" b="1" dirty="0"/>
+              <a:t>Sigmoid </a:t>
+            </a:r>
+          </a:p>
+          <a:p>
+            <a:pPr algn="ctr"/>
+            <a:r>
+              <a:rPr lang="en-US" sz="1400" b="1" dirty="0"/>
+              <a:t>Approximation is </a:t>
+            </a:r>
+          </a:p>
+          <a:p>
+            <a:pPr algn="ctr"/>
+            <a:r>
+              <a:rPr lang="en-US" sz="1400" b="1" dirty="0"/>
+              <a:t>a simple</a:t>
+            </a:r>
+          </a:p>
+          <a:p>
+            <a:pPr algn="ctr"/>
+            <a:r>
+              <a:rPr lang="en-US" sz="1400" b="1" dirty="0"/>
+              <a:t>Operation</a:t>
+            </a:r>
+          </a:p>
+          <a:p>
+            <a:pPr algn="ctr"/>
+            <a:r>
+              <a:rPr lang="en-US" sz="1400" dirty="0">
+                <a:solidFill>
+                  <a:schemeClr val="accent6"/>
+                </a:solidFill>
+              </a:rPr>
+              <a:t>(bit shift, …)</a:t>
+            </a:r>
+            <a:endParaRPr lang="fr-DZ" sz="1400" b="1" dirty="0">
+              <a:solidFill>
+                <a:schemeClr val="accent6"/>
+              </a:solidFill>
+            </a:endParaRPr>
+          </a:p>
+        </p:txBody>
+      </p:sp>
+      <p:sp>
+        <p:nvSpPr>
+          <p:cNvPr id="20" name="Rectangle: Rounded Corners 19">
+            <a:extLst>
+              <a:ext uri="{FF2B5EF4-FFF2-40B4-BE49-F238E27FC236}">
+                <a16:creationId xmlns:a16="http://schemas.microsoft.com/office/drawing/2014/main" id="{7066088D-669A-E0D3-0025-62CE5D9BC720}"/>
+              </a:ext>
+            </a:extLst>
+          </p:cNvPr>
+          <p:cNvSpPr/>
+          <p:nvPr/>
+        </p:nvSpPr>
+        <p:spPr>
+          <a:xfrm>
+            <a:off x="4595466" y="3234992"/>
+            <a:ext cx="1007626" cy="307777"/>
+          </a:xfrm>
+          <a:prstGeom prst="roundRect">
+            <a:avLst>
+              <a:gd name="adj" fmla="val 22282"/>
+            </a:avLst>
+          </a:prstGeom>
+        </p:spPr>
+        <p:style>
+          <a:lnRef idx="2">
+            <a:schemeClr val="accent1">
+              <a:shade val="15000"/>
+            </a:schemeClr>
+          </a:lnRef>
+          <a:fillRef idx="1">
+            <a:schemeClr val="accent1"/>
+          </a:fillRef>
+          <a:effectRef idx="0">
+            <a:schemeClr val="accent1"/>
+          </a:effectRef>
+          <a:fontRef idx="minor">
+            <a:schemeClr val="lt1"/>
+          </a:fontRef>
+        </p:style>
+        <p:txBody>
+          <a:bodyPr rtlCol="0" anchor="ctr"/>
+          <a:lstStyle/>
+          <a:p>
+            <a:pPr algn="ctr"/>
+            <a:endParaRPr lang="en-US" sz="1050" dirty="0">
+              <a:solidFill>
+                <a:schemeClr val="tx1"/>
+              </a:solidFill>
+            </a:endParaRPr>
+          </a:p>
+        </p:txBody>
+      </p:sp>
+      <p:sp>
+        <p:nvSpPr>
+          <p:cNvPr id="21" name="TextBox 20">
+            <a:extLst>
+              <a:ext uri="{FF2B5EF4-FFF2-40B4-BE49-F238E27FC236}">
+                <a16:creationId xmlns:a16="http://schemas.microsoft.com/office/drawing/2014/main" id="{59375999-08D5-5255-4987-ADCD98C3EBFA}"/>
+              </a:ext>
+            </a:extLst>
+          </p:cNvPr>
+          <p:cNvSpPr txBox="1"/>
+          <p:nvPr/>
+        </p:nvSpPr>
+        <p:spPr>
+          <a:xfrm>
+            <a:off x="4540472" y="3275914"/>
+            <a:ext cx="1117614" cy="530915"/>
+          </a:xfrm>
+          <a:prstGeom prst="rect">
+            <a:avLst/>
+          </a:prstGeom>
+          <a:noFill/>
+        </p:spPr>
+        <p:txBody>
+          <a:bodyPr wrap="none" rtlCol="0">
+            <a:spAutoFit/>
+          </a:bodyPr>
+          <a:lstStyle/>
+          <a:p>
+            <a:r>
+              <a:rPr lang="fr-FR" sz="1050" b="1" dirty="0">
+                <a:solidFill>
+                  <a:schemeClr val="tx1"/>
+                </a:solidFill>
+              </a:rPr>
+              <a:t>SigmoidApprox</a:t>
+            </a:r>
+            <a:endParaRPr lang="en-US" sz="1050" b="1" dirty="0">
+              <a:solidFill>
+                <a:schemeClr val="tx1"/>
+              </a:solidFill>
+            </a:endParaRPr>
+          </a:p>
+          <a:p>
+            <a:endParaRPr lang="en-US" dirty="0"/>
+          </a:p>
+        </p:txBody>
+      </p:sp>
+      <p:cxnSp>
+        <p:nvCxnSpPr>
+          <p:cNvPr id="22" name="Straight Arrow Connector 21">
+            <a:extLst>
+              <a:ext uri="{FF2B5EF4-FFF2-40B4-BE49-F238E27FC236}">
+                <a16:creationId xmlns:a16="http://schemas.microsoft.com/office/drawing/2014/main" id="{0B137E6F-3A10-0632-1196-E432BAE4EBA4}"/>
+              </a:ext>
+            </a:extLst>
+          </p:cNvPr>
+          <p:cNvCxnSpPr>
+            <a:cxnSpLocks/>
+            <a:stCxn id="19" idx="2"/>
+          </p:cNvCxnSpPr>
+          <p:nvPr/>
+        </p:nvCxnSpPr>
+        <p:spPr>
+          <a:xfrm flipH="1">
+            <a:off x="5402241" y="2418994"/>
+            <a:ext cx="713279" cy="856920"/>
+          </a:xfrm>
+          <a:prstGeom prst="straightConnector1">
+            <a:avLst/>
+          </a:prstGeom>
+          <a:ln w="19050" cap="flat" cmpd="sng" algn="ctr">
+            <a:solidFill>
+              <a:schemeClr val="accent2"/>
+            </a:solidFill>
+            <a:prstDash val="solid"/>
+            <a:round/>
+            <a:headEnd type="none" w="med" len="med"/>
+            <a:tailEnd type="arrow" w="med" len="med"/>
+          </a:ln>
+        </p:spPr>
+        <p:style>
+          <a:lnRef idx="0">
+            <a:scrgbClr r="0" g="0" b="0"/>
+          </a:lnRef>
+          <a:fillRef idx="0">
+            <a:scrgbClr r="0" g="0" b="0"/>
+          </a:fillRef>
+          <a:effectRef idx="0">
+            <a:scrgbClr r="0" g="0" b="0"/>
+          </a:effectRef>
+          <a:fontRef idx="minor">
+            <a:schemeClr val="tx1"/>
+          </a:fontRef>
+        </p:style>
+      </p:cxnSp>
+      <p:cxnSp>
+        <p:nvCxnSpPr>
+          <p:cNvPr id="23" name="Straight Arrow Connector 22">
+            <a:extLst>
+              <a:ext uri="{FF2B5EF4-FFF2-40B4-BE49-F238E27FC236}">
+                <a16:creationId xmlns:a16="http://schemas.microsoft.com/office/drawing/2014/main" id="{490DBE54-BCC6-8BD3-BF6A-DEB0B8793D0C}"/>
+              </a:ext>
+            </a:extLst>
+          </p:cNvPr>
+          <p:cNvCxnSpPr/>
+          <p:nvPr/>
+        </p:nvCxnSpPr>
+        <p:spPr>
+          <a:xfrm>
+            <a:off x="5854922" y="2962003"/>
+            <a:ext cx="731520" cy="0"/>
+          </a:xfrm>
+          <a:prstGeom prst="straightConnector1">
+            <a:avLst/>
+          </a:prstGeom>
+          <a:ln w="127000">
+            <a:solidFill>
+              <a:srgbClr val="0070C0"/>
+            </a:solidFill>
+            <a:tailEnd type="triangle"/>
+          </a:ln>
+        </p:spPr>
+        <p:style>
+          <a:lnRef idx="2">
+            <a:schemeClr val="accent1"/>
+          </a:lnRef>
+          <a:fillRef idx="0">
+            <a:schemeClr val="accent1"/>
+          </a:fillRef>
+          <a:effectRef idx="1">
+            <a:schemeClr val="accent1"/>
+          </a:effectRef>
+          <a:fontRef idx="minor">
+            <a:schemeClr val="tx1"/>
+          </a:fontRef>
+        </p:style>
+      </p:cxnSp>
+      <p:sp>
+        <p:nvSpPr>
+          <p:cNvPr id="24" name="TextBox 23">
+            <a:extLst>
+              <a:ext uri="{FF2B5EF4-FFF2-40B4-BE49-F238E27FC236}">
+                <a16:creationId xmlns:a16="http://schemas.microsoft.com/office/drawing/2014/main" id="{B1289034-D0B1-1077-7D60-12C86C645AE7}"/>
+              </a:ext>
+            </a:extLst>
+          </p:cNvPr>
+          <p:cNvSpPr txBox="1"/>
+          <p:nvPr/>
+        </p:nvSpPr>
+        <p:spPr>
+          <a:xfrm>
+            <a:off x="6947658" y="4711783"/>
+            <a:ext cx="1531188" cy="369332"/>
+          </a:xfrm>
+          <a:prstGeom prst="rect">
+            <a:avLst/>
+          </a:prstGeom>
+          <a:noFill/>
+        </p:spPr>
+        <p:txBody>
+          <a:bodyPr wrap="none" rtlCol="0">
+            <a:spAutoFit/>
+          </a:bodyPr>
+          <a:lstStyle/>
+          <a:p>
+            <a:r>
+              <a:rPr lang="fr-FR" dirty="0"/>
+              <a:t>Esp32s3 mcu</a:t>
+            </a:r>
+            <a:endParaRPr lang="en-US" dirty="0"/>
+          </a:p>
+        </p:txBody>
+      </p:sp>
+      <p:sp>
+        <p:nvSpPr>
+          <p:cNvPr id="25" name="TextBox 24">
+            <a:extLst>
+              <a:ext uri="{FF2B5EF4-FFF2-40B4-BE49-F238E27FC236}">
+                <a16:creationId xmlns:a16="http://schemas.microsoft.com/office/drawing/2014/main" id="{0C94C90A-FED2-5D94-F862-57AD45FACBA8}"/>
+              </a:ext>
+            </a:extLst>
+          </p:cNvPr>
+          <p:cNvSpPr txBox="1"/>
+          <p:nvPr/>
+        </p:nvSpPr>
+        <p:spPr>
+          <a:xfrm>
+            <a:off x="3140160" y="4752300"/>
+            <a:ext cx="3446282" cy="338554"/>
+          </a:xfrm>
+          <a:prstGeom prst="rect">
+            <a:avLst/>
+          </a:prstGeom>
+          <a:noFill/>
+        </p:spPr>
+        <p:txBody>
+          <a:bodyPr wrap="square" rtlCol="0">
+            <a:spAutoFit/>
+          </a:bodyPr>
+          <a:lstStyle/>
+          <a:p>
+            <a:r>
+              <a:rPr lang="fr-FR" sz="1600" b="1" dirty="0"/>
+              <a:t>QSiLUApprox activation function</a:t>
+            </a:r>
+            <a:endParaRPr lang="fr-DZ" sz="1600" b="1" dirty="0"/>
+          </a:p>
+        </p:txBody>
+      </p:sp>
+    </p:spTree>
+    <p:extLst>
+      <p:ext uri="{BB962C8B-B14F-4D97-AF65-F5344CB8AC3E}">
+        <p14:creationId xmlns:p14="http://schemas.microsoft.com/office/powerpoint/2010/main" val="4271543913"/>
+      </p:ext>
+    </p:extLst>
+  </p:cSld>
+  <p:clrMapOvr>
+    <a:masterClrMapping/>
+  </p:clrMapOvr>
+</p:sld>
+</file>
+
 <file path=ppt/theme/theme1.xml><?xml version="1.0" encoding="utf-8"?>
 <a:theme xmlns:a="http://schemas.openxmlformats.org/drawingml/2006/main" name="Office Theme">
   <a:themeElements>
